--- a/mck_activeControl.pptx
+++ b/mck_activeControl.pptx
@@ -137,7 +137,7 @@
   <pc:docChgLst>
     <pc:chgData name="Tommaso De Maria" userId="a1aff584-9d9f-4d83-9abb-8da82ee4de2e" providerId="ADAL" clId="{A0BF42A4-B355-42D4-AEF7-64A16C882F43}"/>
     <pc:docChg chg="undo custSel addSld delSld modSld sldOrd">
-      <pc:chgData name="Tommaso De Maria" userId="a1aff584-9d9f-4d83-9abb-8da82ee4de2e" providerId="ADAL" clId="{A0BF42A4-B355-42D4-AEF7-64A16C882F43}" dt="2026-01-16T08:41:50.109" v="2995" actId="20577"/>
+      <pc:chgData name="Tommaso De Maria" userId="a1aff584-9d9f-4d83-9abb-8da82ee4de2e" providerId="ADAL" clId="{A0BF42A4-B355-42D4-AEF7-64A16C882F43}" dt="2026-01-16T13:30:33.473" v="3001" actId="20577"/>
       <pc:docMkLst>
         <pc:docMk/>
       </pc:docMkLst>
@@ -1471,13 +1471,21 @@
         </pc:picChg>
       </pc:sldChg>
       <pc:sldChg chg="modSp new mod">
-        <pc:chgData name="Tommaso De Maria" userId="a1aff584-9d9f-4d83-9abb-8da82ee4de2e" providerId="ADAL" clId="{A0BF42A4-B355-42D4-AEF7-64A16C882F43}" dt="2026-01-16T08:41:50.109" v="2995" actId="20577"/>
+        <pc:chgData name="Tommaso De Maria" userId="a1aff584-9d9f-4d83-9abb-8da82ee4de2e" providerId="ADAL" clId="{A0BF42A4-B355-42D4-AEF7-64A16C882F43}" dt="2026-01-16T13:30:33.473" v="3001" actId="20577"/>
         <pc:sldMkLst>
           <pc:docMk/>
           <pc:sldMk cId="534988393" sldId="270"/>
         </pc:sldMkLst>
         <pc:spChg chg="mod">
-          <ac:chgData name="Tommaso De Maria" userId="a1aff584-9d9f-4d83-9abb-8da82ee4de2e" providerId="ADAL" clId="{A0BF42A4-B355-42D4-AEF7-64A16C882F43}" dt="2026-01-16T08:41:50.109" v="2995" actId="20577"/>
+          <ac:chgData name="Tommaso De Maria" userId="a1aff584-9d9f-4d83-9abb-8da82ee4de2e" providerId="ADAL" clId="{A0BF42A4-B355-42D4-AEF7-64A16C882F43}" dt="2026-01-16T13:30:33.473" v="3001" actId="20577"/>
+          <ac:spMkLst>
+            <pc:docMk/>
+            <pc:sldMk cId="534988393" sldId="270"/>
+            <ac:spMk id="2" creationId="{16F29EF4-77C3-EAA8-4E27-316C8A19D8CE}"/>
+          </ac:spMkLst>
+        </pc:spChg>
+        <pc:spChg chg="mod">
+          <ac:chgData name="Tommaso De Maria" userId="a1aff584-9d9f-4d83-9abb-8da82ee4de2e" providerId="ADAL" clId="{A0BF42A4-B355-42D4-AEF7-64A16C882F43}" dt="2026-01-16T13:27:17.358" v="2996" actId="207"/>
           <ac:spMkLst>
             <pc:docMk/>
             <pc:sldMk cId="534988393" sldId="270"/>
@@ -18249,7 +18257,10 @@
           <a:bodyPr/>
           <a:lstStyle/>
           <a:p>
-            <a:endParaRPr lang="en-US"/>
+            <a:r>
+              <a:rPr lang="en-US"/>
+              <a:t>To do</a:t>
+            </a:r>
           </a:p>
         </p:txBody>
       </p:sp>
@@ -18275,22 +18286,42 @@
           <a:lstStyle/>
           <a:p>
             <a:r>
-              <a:rPr lang="en-US" dirty="0"/>
+              <a:rPr lang="en-US" dirty="0">
+                <a:solidFill>
+                  <a:srgbClr val="FF0000"/>
+                </a:solidFill>
+              </a:rPr>
               <a:t>Same cost function for </a:t>
             </a:r>
             <a:r>
-              <a:rPr lang="en-US" dirty="0" err="1"/>
+              <a:rPr lang="en-US" dirty="0" err="1">
+                <a:solidFill>
+                  <a:srgbClr val="FF0000"/>
+                </a:solidFill>
+              </a:rPr>
               <a:t>LQr</a:t>
             </a:r>
             <a:r>
-              <a:rPr lang="en-US" dirty="0"/>
+              <a:rPr lang="en-US" dirty="0">
+                <a:solidFill>
+                  <a:srgbClr val="FF0000"/>
+                </a:solidFill>
+              </a:rPr>
               <a:t> and </a:t>
             </a:r>
             <a:r>
-              <a:rPr lang="en-US" dirty="0" err="1"/>
+              <a:rPr lang="en-US" dirty="0" err="1">
+                <a:solidFill>
+                  <a:srgbClr val="FF0000"/>
+                </a:solidFill>
+              </a:rPr>
               <a:t>ajdj</a:t>
             </a:r>
-            <a:endParaRPr lang="en-US" dirty="0"/>
+            <a:endParaRPr lang="en-US" dirty="0">
+              <a:solidFill>
+                <a:srgbClr val="FF0000"/>
+              </a:solidFill>
+            </a:endParaRPr>
           </a:p>
           <a:p>
             <a:r>
@@ -18443,10 +18474,9 @@
               <a:t>Provare</a:t>
             </a:r>
             <a:r>
-              <a:rPr lang="en-US"/>
+              <a:rPr lang="en-US" dirty="0"/>
               <a:t> a </a:t>
             </a:r>
-            <a:endParaRPr lang="en-US" dirty="0"/>
           </a:p>
           <a:p>
             <a:pPr lvl="1"/>
